--- a/plots.pptx
+++ b/plots.pptx
@@ -2976,7 +2976,7 @@
       </p:sp>
       <p:pic>
         <p:nvPicPr>
-          <p:cNvPr id="6" name="Picture 5"/>
+          <p:cNvPr id="8" name="Picture 7"/>
           <p:cNvPicPr>
             <a:picLocks noChangeAspect="1"/>
           </p:cNvPicPr>
@@ -2990,13 +2990,13 @@
               </a:ext>
             </a:extLst>
           </a:blip>
-          <a:srcRect l="9496" t="9152" r="9174" b="7787"/>
+          <a:srcRect l="9770" t="10662" r="9450" b="7888"/>
           <a:stretch/>
         </p:blipFill>
         <p:spPr>
           <a:xfrm>
-            <a:off x="16169" y="1820410"/>
-            <a:ext cx="12159662" cy="4773337"/>
+            <a:off x="0" y="2139193"/>
+            <a:ext cx="12175556" cy="4718807"/>
           </a:xfrm>
           <a:prstGeom prst="rect">
             <a:avLst/>
